--- a/designpattern/SegoeUISymbol.pptx
+++ b/designpattern/SegoeUISymbol.pptx
@@ -6,26 +6,32 @@
   </p:sldMasterIdLst>
   <p:sldIdLst>
     <p:sldId id="256" r:id="rId2"/>
-    <p:sldId id="258" r:id="rId3"/>
+    <p:sldId id="260" r:id="rId3"/>
+    <p:sldId id="266" r:id="rId4"/>
+    <p:sldId id="267" r:id="rId5"/>
+    <p:sldId id="264" r:id="rId6"/>
+    <p:sldId id="265" r:id="rId7"/>
+    <p:sldId id="261" r:id="rId8"/>
+    <p:sldId id="258" r:id="rId9"/>
   </p:sldIdLst>
   <p:sldSz cx="12192000" cy="6858000"/>
   <p:notesSz cx="6858000" cy="9144000"/>
   <p:embeddedFontLst>
     <p:embeddedFont>
+      <p:font typeface="Calibri Light" panose="020F0302020204030204" pitchFamily="34" charset="0"/>
+      <p:regular r:id="rId10"/>
+      <p:italic r:id="rId11"/>
+    </p:embeddedFont>
+    <p:embeddedFont>
       <p:font typeface="Calibri" panose="020F0502020204030204" pitchFamily="34" charset="0"/>
-      <p:regular r:id="rId4"/>
-      <p:bold r:id="rId5"/>
-      <p:italic r:id="rId6"/>
-      <p:boldItalic r:id="rId7"/>
+      <p:regular r:id="rId12"/>
+      <p:bold r:id="rId13"/>
+      <p:italic r:id="rId14"/>
+      <p:boldItalic r:id="rId15"/>
     </p:embeddedFont>
     <p:embeddedFont>
       <p:font typeface="Segoe UI Symbol" panose="020B0502040204020203" pitchFamily="34" charset="0"/>
-      <p:regular r:id="rId8"/>
-    </p:embeddedFont>
-    <p:embeddedFont>
-      <p:font typeface="Calibri Light" panose="020F0302020204030204" pitchFamily="34" charset="0"/>
-      <p:regular r:id="rId9"/>
-      <p:italic r:id="rId10"/>
+      <p:regular r:id="rId16"/>
     </p:embeddedFont>
   </p:embeddedFontLst>
   <p:defaultTextStyle>
@@ -123,6 +129,11 @@
       </a:defRPr>
     </a:lvl9pPr>
   </p:defaultTextStyle>
+  <p:extLst>
+    <p:ext uri="{EFAFB233-063F-42B5-8137-9DF3F51BA10A}">
+      <p15:sldGuideLst xmlns:p15="http://schemas.microsoft.com/office/powerpoint/2012/main"/>
+    </p:ext>
+  </p:extLst>
 </p:presentation>
 </file>
 
@@ -257,7 +268,7 @@
           <a:p>
             <a:fld id="{60312E01-3EE4-4ED8-87A8-A86EC926DD9F}" type="datetimeFigureOut">
               <a:rPr kumimoji="1" lang="ja-JP" altLang="en-US" smtClean="0"/>
-              <a:t>2015/3/7</a:t>
+              <a:t>2015/3/8</a:t>
             </a:fld>
             <a:endParaRPr kumimoji="1" lang="ja-JP" altLang="en-US"/>
           </a:p>
@@ -459,7 +470,7 @@
           <a:p>
             <a:fld id="{60312E01-3EE4-4ED8-87A8-A86EC926DD9F}" type="datetimeFigureOut">
               <a:rPr kumimoji="1" lang="ja-JP" altLang="en-US" smtClean="0"/>
-              <a:t>2015/3/7</a:t>
+              <a:t>2015/3/8</a:t>
             </a:fld>
             <a:endParaRPr kumimoji="1" lang="ja-JP" altLang="en-US"/>
           </a:p>
@@ -671,7 +682,7 @@
           <a:p>
             <a:fld id="{60312E01-3EE4-4ED8-87A8-A86EC926DD9F}" type="datetimeFigureOut">
               <a:rPr kumimoji="1" lang="ja-JP" altLang="en-US" smtClean="0"/>
-              <a:t>2015/3/7</a:t>
+              <a:t>2015/3/8</a:t>
             </a:fld>
             <a:endParaRPr kumimoji="1" lang="ja-JP" altLang="en-US"/>
           </a:p>
@@ -873,7 +884,7 @@
           <a:p>
             <a:fld id="{60312E01-3EE4-4ED8-87A8-A86EC926DD9F}" type="datetimeFigureOut">
               <a:rPr kumimoji="1" lang="ja-JP" altLang="en-US" smtClean="0"/>
-              <a:t>2015/3/7</a:t>
+              <a:t>2015/3/8</a:t>
             </a:fld>
             <a:endParaRPr kumimoji="1" lang="ja-JP" altLang="en-US"/>
           </a:p>
@@ -1119,7 +1130,7 @@
           <a:p>
             <a:fld id="{60312E01-3EE4-4ED8-87A8-A86EC926DD9F}" type="datetimeFigureOut">
               <a:rPr kumimoji="1" lang="ja-JP" altLang="en-US" smtClean="0"/>
-              <a:t>2015/3/7</a:t>
+              <a:t>2015/3/8</a:t>
             </a:fld>
             <a:endParaRPr kumimoji="1" lang="ja-JP" altLang="en-US"/>
           </a:p>
@@ -1415,7 +1426,7 @@
           <a:p>
             <a:fld id="{60312E01-3EE4-4ED8-87A8-A86EC926DD9F}" type="datetimeFigureOut">
               <a:rPr kumimoji="1" lang="ja-JP" altLang="en-US" smtClean="0"/>
-              <a:t>2015/3/7</a:t>
+              <a:t>2015/3/8</a:t>
             </a:fld>
             <a:endParaRPr kumimoji="1" lang="ja-JP" altLang="en-US"/>
           </a:p>
@@ -1846,7 +1857,7 @@
           <a:p>
             <a:fld id="{60312E01-3EE4-4ED8-87A8-A86EC926DD9F}" type="datetimeFigureOut">
               <a:rPr kumimoji="1" lang="ja-JP" altLang="en-US" smtClean="0"/>
-              <a:t>2015/3/7</a:t>
+              <a:t>2015/3/8</a:t>
             </a:fld>
             <a:endParaRPr kumimoji="1" lang="ja-JP" altLang="en-US"/>
           </a:p>
@@ -1964,7 +1975,7 @@
           <a:p>
             <a:fld id="{60312E01-3EE4-4ED8-87A8-A86EC926DD9F}" type="datetimeFigureOut">
               <a:rPr kumimoji="1" lang="ja-JP" altLang="en-US" smtClean="0"/>
-              <a:t>2015/3/7</a:t>
+              <a:t>2015/3/8</a:t>
             </a:fld>
             <a:endParaRPr kumimoji="1" lang="ja-JP" altLang="en-US"/>
           </a:p>
@@ -2059,7 +2070,7 @@
           <a:p>
             <a:fld id="{60312E01-3EE4-4ED8-87A8-A86EC926DD9F}" type="datetimeFigureOut">
               <a:rPr kumimoji="1" lang="ja-JP" altLang="en-US" smtClean="0"/>
-              <a:t>2015/3/7</a:t>
+              <a:t>2015/3/8</a:t>
             </a:fld>
             <a:endParaRPr kumimoji="1" lang="ja-JP" altLang="en-US"/>
           </a:p>
@@ -2368,7 +2379,7 @@
           <a:p>
             <a:fld id="{60312E01-3EE4-4ED8-87A8-A86EC926DD9F}" type="datetimeFigureOut">
               <a:rPr kumimoji="1" lang="ja-JP" altLang="en-US" smtClean="0"/>
-              <a:t>2015/3/7</a:t>
+              <a:t>2015/3/8</a:t>
             </a:fld>
             <a:endParaRPr kumimoji="1" lang="ja-JP" altLang="en-US"/>
           </a:p>
@@ -2621,7 +2632,7 @@
           <a:p>
             <a:fld id="{60312E01-3EE4-4ED8-87A8-A86EC926DD9F}" type="datetimeFigureOut">
               <a:rPr kumimoji="1" lang="ja-JP" altLang="en-US" smtClean="0"/>
-              <a:t>2015/3/7</a:t>
+              <a:t>2015/3/8</a:t>
             </a:fld>
             <a:endParaRPr kumimoji="1" lang="ja-JP" altLang="en-US"/>
           </a:p>
@@ -2866,7 +2877,7 @@
           <a:p>
             <a:fld id="{60312E01-3EE4-4ED8-87A8-A86EC926DD9F}" type="datetimeFigureOut">
               <a:rPr kumimoji="1" lang="ja-JP" altLang="en-US" smtClean="0"/>
-              <a:t>2015/3/7</a:t>
+              <a:t>2015/3/8</a:t>
             </a:fld>
             <a:endParaRPr kumimoji="1" lang="ja-JP" altLang="en-US"/>
           </a:p>
@@ -3664,6 +3675,13 @@
   <p:clrMapOvr>
     <a:masterClrMapping/>
   </p:clrMapOvr>
+  <p:timing>
+    <p:tnLst>
+      <p:par>
+        <p:cTn id="1" dur="indefinite" restart="never" nodeType="tmRoot"/>
+      </p:par>
+    </p:tnLst>
+  </p:timing>
 </p:sld>
 </file>
 
@@ -3716,6 +3734,899 @@
                 <a:latin typeface="Segoe UI Symbol" panose="020B0502040204020203" pitchFamily="34" charset="0"/>
                 <a:ea typeface="Segoe UI Symbol" panose="020B0502040204020203" pitchFamily="34" charset="0"/>
               </a:rPr>
+              <a:t>Segoe UI </a:t>
+            </a:r>
+            <a:r>
+              <a:rPr kumimoji="1" lang="en-US" altLang="ja-JP" sz="1200" dirty="0" smtClean="0">
+                <a:latin typeface="Segoe UI Symbol" panose="020B0502040204020203" pitchFamily="34" charset="0"/>
+                <a:ea typeface="Segoe UI Symbol" panose="020B0502040204020203" pitchFamily="34" charset="0"/>
+              </a:rPr>
+              <a:t>Symbol </a:t>
+            </a:r>
+            <a:r>
+              <a:rPr kumimoji="1" lang="en-US" altLang="ja-JP" sz="1200" dirty="0" err="1" smtClean="0">
+                <a:latin typeface="Segoe UI Symbol" panose="020B0502040204020203" pitchFamily="34" charset="0"/>
+                <a:ea typeface="Segoe UI Symbol" panose="020B0502040204020203" pitchFamily="34" charset="0"/>
+              </a:rPr>
+              <a:t>png</a:t>
+            </a:r>
+            <a:r>
+              <a:rPr kumimoji="1" lang="en-US" altLang="ja-JP" sz="1200" dirty="0" smtClean="0">
+                <a:latin typeface="Segoe UI Symbol" panose="020B0502040204020203" pitchFamily="34" charset="0"/>
+                <a:ea typeface="Segoe UI Symbol" panose="020B0502040204020203" pitchFamily="34" charset="0"/>
+              </a:rPr>
+              <a:t> 60px</a:t>
+            </a:r>
+            <a:endParaRPr kumimoji="1" lang="ja-JP" altLang="en-US" sz="1200" dirty="0">
+              <a:latin typeface="Segoe UI Symbol" panose="020B0502040204020203" pitchFamily="34" charset="0"/>
+            </a:endParaRPr>
+          </a:p>
+        </p:txBody>
+      </p:sp>
+      <p:pic>
+        <p:nvPicPr>
+          <p:cNvPr id="2" name="図 1"/>
+          <p:cNvPicPr>
+            <a:picLocks noChangeAspect="1"/>
+          </p:cNvPicPr>
+          <p:nvPr/>
+        </p:nvPicPr>
+        <p:blipFill>
+          <a:blip r:embed="rId2">
+            <a:extLst>
+              <a:ext uri="{28A0092B-C50C-407E-A947-70E740481C1C}">
+                <a14:useLocalDpi xmlns:a14="http://schemas.microsoft.com/office/drawing/2010/main" val="0"/>
+              </a:ext>
+            </a:extLst>
+          </a:blip>
+          <a:stretch>
+            <a:fillRect/>
+          </a:stretch>
+        </p:blipFill>
+        <p:spPr>
+          <a:xfrm>
+            <a:off x="0" y="249095"/>
+            <a:ext cx="12192000" cy="6359810"/>
+          </a:xfrm>
+          <a:prstGeom prst="rect">
+            <a:avLst/>
+          </a:prstGeom>
+        </p:spPr>
+      </p:pic>
+    </p:spTree>
+    <p:extLst>
+      <p:ext uri="{BB962C8B-B14F-4D97-AF65-F5344CB8AC3E}">
+        <p14:creationId xmlns:p14="http://schemas.microsoft.com/office/powerpoint/2010/main" val="3512948694"/>
+      </p:ext>
+    </p:extLst>
+  </p:cSld>
+  <p:clrMapOvr>
+    <a:masterClrMapping/>
+  </p:clrMapOvr>
+  <p:timing>
+    <p:tnLst>
+      <p:par>
+        <p:cTn id="1" dur="indefinite" restart="never" nodeType="tmRoot"/>
+      </p:par>
+    </p:tnLst>
+  </p:timing>
+</p:sld>
+</file>
+
+<file path=ppt/slides/slide3.xml><?xml version="1.0" encoding="utf-8"?>
+<p:sld xmlns:a="http://schemas.openxmlformats.org/drawingml/2006/main" xmlns:r="http://schemas.openxmlformats.org/officeDocument/2006/relationships" xmlns:p="http://schemas.openxmlformats.org/presentationml/2006/main">
+  <p:cSld>
+    <p:spTree>
+      <p:nvGrpSpPr>
+        <p:cNvPr id="1" name=""/>
+        <p:cNvGrpSpPr/>
+        <p:nvPr/>
+      </p:nvGrpSpPr>
+      <p:grpSpPr>
+        <a:xfrm>
+          <a:off x="0" y="0"/>
+          <a:ext cx="0" cy="0"/>
+          <a:chOff x="0" y="0"/>
+          <a:chExt cx="0" cy="0"/>
+        </a:xfrm>
+      </p:grpSpPr>
+      <p:sp>
+        <p:nvSpPr>
+          <p:cNvPr id="4" name="テキスト ボックス 3"/>
+          <p:cNvSpPr txBox="1"/>
+          <p:nvPr/>
+        </p:nvSpPr>
+        <p:spPr>
+          <a:xfrm>
+            <a:off x="0" y="-2"/>
+            <a:ext cx="12192000" cy="276999"/>
+          </a:xfrm>
+          <a:prstGeom prst="rect">
+            <a:avLst/>
+          </a:prstGeom>
+          <a:solidFill>
+            <a:schemeClr val="accent5">
+              <a:lumMod val="20000"/>
+              <a:lumOff val="80000"/>
+            </a:schemeClr>
+          </a:solidFill>
+        </p:spPr>
+        <p:txBody>
+          <a:bodyPr wrap="square" rtlCol="0">
+            <a:spAutoFit/>
+          </a:bodyPr>
+          <a:lstStyle/>
+          <a:p>
+            <a:r>
+              <a:rPr kumimoji="1" lang="en-US" altLang="ja-JP" sz="1200" dirty="0" smtClean="0">
+                <a:latin typeface="Segoe UI Symbol" panose="020B0502040204020203" pitchFamily="34" charset="0"/>
+                <a:ea typeface="Segoe UI Symbol" panose="020B0502040204020203" pitchFamily="34" charset="0"/>
+              </a:rPr>
+              <a:t>Segoe UI </a:t>
+            </a:r>
+            <a:r>
+              <a:rPr lang="en-US" altLang="ja-JP" sz="1200" dirty="0">
+                <a:latin typeface="Segoe UI Symbol" panose="020B0502040204020203" pitchFamily="34" charset="0"/>
+                <a:ea typeface="Segoe UI Symbol" panose="020B0502040204020203" pitchFamily="34" charset="0"/>
+              </a:rPr>
+              <a:t>Symbol </a:t>
+            </a:r>
+            <a:r>
+              <a:rPr lang="en-US" altLang="ja-JP" sz="1200" dirty="0" err="1">
+                <a:latin typeface="Segoe UI Symbol" panose="020B0502040204020203" pitchFamily="34" charset="0"/>
+                <a:ea typeface="Segoe UI Symbol" panose="020B0502040204020203" pitchFamily="34" charset="0"/>
+              </a:rPr>
+              <a:t>png</a:t>
+            </a:r>
+            <a:r>
+              <a:rPr lang="en-US" altLang="ja-JP" sz="1200" dirty="0">
+                <a:latin typeface="Segoe UI Symbol" panose="020B0502040204020203" pitchFamily="34" charset="0"/>
+                <a:ea typeface="Segoe UI Symbol" panose="020B0502040204020203" pitchFamily="34" charset="0"/>
+              </a:rPr>
+              <a:t> </a:t>
+            </a:r>
+            <a:r>
+              <a:rPr kumimoji="1" lang="en-US" altLang="ja-JP" sz="1200" dirty="0" smtClean="0">
+                <a:latin typeface="Segoe UI Symbol" panose="020B0502040204020203" pitchFamily="34" charset="0"/>
+                <a:ea typeface="Segoe UI Symbol" panose="020B0502040204020203" pitchFamily="34" charset="0"/>
+              </a:rPr>
+              <a:t>60px</a:t>
+            </a:r>
+            <a:endParaRPr kumimoji="1" lang="ja-JP" altLang="en-US" sz="1200" dirty="0">
+              <a:latin typeface="Segoe UI Symbol" panose="020B0502040204020203" pitchFamily="34" charset="0"/>
+            </a:endParaRPr>
+          </a:p>
+        </p:txBody>
+      </p:sp>
+      <p:pic>
+        <p:nvPicPr>
+          <p:cNvPr id="2" name="図 1"/>
+          <p:cNvPicPr>
+            <a:picLocks noChangeAspect="1"/>
+          </p:cNvPicPr>
+          <p:nvPr/>
+        </p:nvPicPr>
+        <p:blipFill>
+          <a:blip r:embed="rId2">
+            <a:extLst>
+              <a:ext uri="{28A0092B-C50C-407E-A947-70E740481C1C}">
+                <a14:useLocalDpi xmlns:a14="http://schemas.microsoft.com/office/drawing/2010/main" val="0"/>
+              </a:ext>
+            </a:extLst>
+          </a:blip>
+          <a:stretch>
+            <a:fillRect/>
+          </a:stretch>
+        </p:blipFill>
+        <p:spPr>
+          <a:xfrm>
+            <a:off x="0" y="249095"/>
+            <a:ext cx="12192000" cy="6359810"/>
+          </a:xfrm>
+          <a:prstGeom prst="rect">
+            <a:avLst/>
+          </a:prstGeom>
+        </p:spPr>
+      </p:pic>
+    </p:spTree>
+    <p:extLst>
+      <p:ext uri="{BB962C8B-B14F-4D97-AF65-F5344CB8AC3E}">
+        <p14:creationId xmlns:p14="http://schemas.microsoft.com/office/powerpoint/2010/main" val="185825929"/>
+      </p:ext>
+    </p:extLst>
+  </p:cSld>
+  <p:clrMapOvr>
+    <a:masterClrMapping/>
+  </p:clrMapOvr>
+  <p:timing>
+    <p:tnLst>
+      <p:par>
+        <p:cTn id="1" dur="indefinite" restart="never" nodeType="tmRoot"/>
+      </p:par>
+    </p:tnLst>
+  </p:timing>
+</p:sld>
+</file>
+
+<file path=ppt/slides/slide4.xml><?xml version="1.0" encoding="utf-8"?>
+<p:sld xmlns:a="http://schemas.openxmlformats.org/drawingml/2006/main" xmlns:r="http://schemas.openxmlformats.org/officeDocument/2006/relationships" xmlns:p="http://schemas.openxmlformats.org/presentationml/2006/main">
+  <p:cSld>
+    <p:spTree>
+      <p:nvGrpSpPr>
+        <p:cNvPr id="1" name=""/>
+        <p:cNvGrpSpPr/>
+        <p:nvPr/>
+      </p:nvGrpSpPr>
+      <p:grpSpPr>
+        <a:xfrm>
+          <a:off x="0" y="0"/>
+          <a:ext cx="0" cy="0"/>
+          <a:chOff x="0" y="0"/>
+          <a:chExt cx="0" cy="0"/>
+        </a:xfrm>
+      </p:grpSpPr>
+      <p:sp>
+        <p:nvSpPr>
+          <p:cNvPr id="4" name="テキスト ボックス 3"/>
+          <p:cNvSpPr txBox="1"/>
+          <p:nvPr/>
+        </p:nvSpPr>
+        <p:spPr>
+          <a:xfrm>
+            <a:off x="0" y="-2"/>
+            <a:ext cx="12192000" cy="276999"/>
+          </a:xfrm>
+          <a:prstGeom prst="rect">
+            <a:avLst/>
+          </a:prstGeom>
+          <a:solidFill>
+            <a:schemeClr val="accent5">
+              <a:lumMod val="20000"/>
+              <a:lumOff val="80000"/>
+            </a:schemeClr>
+          </a:solidFill>
+        </p:spPr>
+        <p:txBody>
+          <a:bodyPr wrap="square" rtlCol="0">
+            <a:spAutoFit/>
+          </a:bodyPr>
+          <a:lstStyle/>
+          <a:p>
+            <a:r>
+              <a:rPr kumimoji="1" lang="en-US" altLang="ja-JP" sz="1200" dirty="0" smtClean="0">
+                <a:latin typeface="Segoe UI Symbol" panose="020B0502040204020203" pitchFamily="34" charset="0"/>
+                <a:ea typeface="Segoe UI Symbol" panose="020B0502040204020203" pitchFamily="34" charset="0"/>
+              </a:rPr>
+              <a:t>Segoe UI </a:t>
+            </a:r>
+            <a:r>
+              <a:rPr lang="en-US" altLang="ja-JP" sz="1200" dirty="0">
+                <a:latin typeface="Segoe UI Symbol" panose="020B0502040204020203" pitchFamily="34" charset="0"/>
+                <a:ea typeface="Segoe UI Symbol" panose="020B0502040204020203" pitchFamily="34" charset="0"/>
+              </a:rPr>
+              <a:t>Symbol </a:t>
+            </a:r>
+            <a:r>
+              <a:rPr lang="en-US" altLang="ja-JP" sz="1200" dirty="0" err="1">
+                <a:latin typeface="Segoe UI Symbol" panose="020B0502040204020203" pitchFamily="34" charset="0"/>
+                <a:ea typeface="Segoe UI Symbol" panose="020B0502040204020203" pitchFamily="34" charset="0"/>
+              </a:rPr>
+              <a:t>png</a:t>
+            </a:r>
+            <a:r>
+              <a:rPr lang="en-US" altLang="ja-JP" sz="1200" dirty="0">
+                <a:latin typeface="Segoe UI Symbol" panose="020B0502040204020203" pitchFamily="34" charset="0"/>
+                <a:ea typeface="Segoe UI Symbol" panose="020B0502040204020203" pitchFamily="34" charset="0"/>
+              </a:rPr>
+              <a:t> </a:t>
+            </a:r>
+            <a:r>
+              <a:rPr kumimoji="1" lang="en-US" altLang="ja-JP" sz="1200" dirty="0" smtClean="0">
+                <a:latin typeface="Segoe UI Symbol" panose="020B0502040204020203" pitchFamily="34" charset="0"/>
+                <a:ea typeface="Segoe UI Symbol" panose="020B0502040204020203" pitchFamily="34" charset="0"/>
+              </a:rPr>
+              <a:t>60px</a:t>
+            </a:r>
+            <a:endParaRPr kumimoji="1" lang="ja-JP" altLang="en-US" sz="1200" dirty="0">
+              <a:latin typeface="Segoe UI Symbol" panose="020B0502040204020203" pitchFamily="34" charset="0"/>
+            </a:endParaRPr>
+          </a:p>
+        </p:txBody>
+      </p:sp>
+      <p:pic>
+        <p:nvPicPr>
+          <p:cNvPr id="2" name="図 1"/>
+          <p:cNvPicPr>
+            <a:picLocks noChangeAspect="1"/>
+          </p:cNvPicPr>
+          <p:nvPr/>
+        </p:nvPicPr>
+        <p:blipFill>
+          <a:blip r:embed="rId2">
+            <a:extLst>
+              <a:ext uri="{28A0092B-C50C-407E-A947-70E740481C1C}">
+                <a14:useLocalDpi xmlns:a14="http://schemas.microsoft.com/office/drawing/2010/main" val="0"/>
+              </a:ext>
+            </a:extLst>
+          </a:blip>
+          <a:stretch>
+            <a:fillRect/>
+          </a:stretch>
+        </p:blipFill>
+        <p:spPr>
+          <a:xfrm>
+            <a:off x="0" y="249095"/>
+            <a:ext cx="12192000" cy="6359810"/>
+          </a:xfrm>
+          <a:prstGeom prst="rect">
+            <a:avLst/>
+          </a:prstGeom>
+        </p:spPr>
+      </p:pic>
+    </p:spTree>
+    <p:extLst>
+      <p:ext uri="{BB962C8B-B14F-4D97-AF65-F5344CB8AC3E}">
+        <p14:creationId xmlns:p14="http://schemas.microsoft.com/office/powerpoint/2010/main" val="247965758"/>
+      </p:ext>
+    </p:extLst>
+  </p:cSld>
+  <p:clrMapOvr>
+    <a:masterClrMapping/>
+  </p:clrMapOvr>
+  <p:timing>
+    <p:tnLst>
+      <p:par>
+        <p:cTn id="1" dur="indefinite" restart="never" nodeType="tmRoot"/>
+      </p:par>
+    </p:tnLst>
+  </p:timing>
+</p:sld>
+</file>
+
+<file path=ppt/slides/slide5.xml><?xml version="1.0" encoding="utf-8"?>
+<p:sld xmlns:a="http://schemas.openxmlformats.org/drawingml/2006/main" xmlns:r="http://schemas.openxmlformats.org/officeDocument/2006/relationships" xmlns:p="http://schemas.openxmlformats.org/presentationml/2006/main">
+  <p:cSld>
+    <p:spTree>
+      <p:nvGrpSpPr>
+        <p:cNvPr id="1" name=""/>
+        <p:cNvGrpSpPr/>
+        <p:nvPr/>
+      </p:nvGrpSpPr>
+      <p:grpSpPr>
+        <a:xfrm>
+          <a:off x="0" y="0"/>
+          <a:ext cx="0" cy="0"/>
+          <a:chOff x="0" y="0"/>
+          <a:chExt cx="0" cy="0"/>
+        </a:xfrm>
+      </p:grpSpPr>
+      <p:sp>
+        <p:nvSpPr>
+          <p:cNvPr id="4" name="テキスト ボックス 3"/>
+          <p:cNvSpPr txBox="1"/>
+          <p:nvPr/>
+        </p:nvSpPr>
+        <p:spPr>
+          <a:xfrm>
+            <a:off x="0" y="-2"/>
+            <a:ext cx="12192000" cy="276999"/>
+          </a:xfrm>
+          <a:prstGeom prst="rect">
+            <a:avLst/>
+          </a:prstGeom>
+          <a:solidFill>
+            <a:schemeClr val="accent5">
+              <a:lumMod val="20000"/>
+              <a:lumOff val="80000"/>
+            </a:schemeClr>
+          </a:solidFill>
+        </p:spPr>
+        <p:txBody>
+          <a:bodyPr wrap="square" rtlCol="0">
+            <a:spAutoFit/>
+          </a:bodyPr>
+          <a:lstStyle/>
+          <a:p>
+            <a:r>
+              <a:rPr kumimoji="1" lang="en-US" altLang="ja-JP" sz="1200" dirty="0" smtClean="0">
+                <a:latin typeface="Segoe UI Symbol" panose="020B0502040204020203" pitchFamily="34" charset="0"/>
+                <a:ea typeface="Segoe UI Symbol" panose="020B0502040204020203" pitchFamily="34" charset="0"/>
+              </a:rPr>
+              <a:t>Segoe UI </a:t>
+            </a:r>
+            <a:r>
+              <a:rPr lang="en-US" altLang="ja-JP" sz="1200" dirty="0">
+                <a:latin typeface="Segoe UI Symbol" panose="020B0502040204020203" pitchFamily="34" charset="0"/>
+                <a:ea typeface="Segoe UI Symbol" panose="020B0502040204020203" pitchFamily="34" charset="0"/>
+              </a:rPr>
+              <a:t>Symbol </a:t>
+            </a:r>
+            <a:r>
+              <a:rPr lang="en-US" altLang="ja-JP" sz="1200" dirty="0" err="1">
+                <a:latin typeface="Segoe UI Symbol" panose="020B0502040204020203" pitchFamily="34" charset="0"/>
+                <a:ea typeface="Segoe UI Symbol" panose="020B0502040204020203" pitchFamily="34" charset="0"/>
+              </a:rPr>
+              <a:t>png</a:t>
+            </a:r>
+            <a:r>
+              <a:rPr lang="en-US" altLang="ja-JP" sz="1200" dirty="0">
+                <a:latin typeface="Segoe UI Symbol" panose="020B0502040204020203" pitchFamily="34" charset="0"/>
+                <a:ea typeface="Segoe UI Symbol" panose="020B0502040204020203" pitchFamily="34" charset="0"/>
+              </a:rPr>
+              <a:t> </a:t>
+            </a:r>
+            <a:r>
+              <a:rPr kumimoji="1" lang="en-US" altLang="ja-JP" sz="1200" dirty="0" smtClean="0">
+                <a:latin typeface="Segoe UI Symbol" panose="020B0502040204020203" pitchFamily="34" charset="0"/>
+                <a:ea typeface="Segoe UI Symbol" panose="020B0502040204020203" pitchFamily="34" charset="0"/>
+              </a:rPr>
+              <a:t>32px</a:t>
+            </a:r>
+            <a:endParaRPr kumimoji="1" lang="ja-JP" altLang="en-US" sz="1200" dirty="0">
+              <a:latin typeface="Segoe UI Symbol" panose="020B0502040204020203" pitchFamily="34" charset="0"/>
+            </a:endParaRPr>
+          </a:p>
+        </p:txBody>
+      </p:sp>
+      <p:pic>
+        <p:nvPicPr>
+          <p:cNvPr id="3" name="図 2"/>
+          <p:cNvPicPr>
+            <a:picLocks noChangeAspect="1"/>
+          </p:cNvPicPr>
+          <p:nvPr/>
+        </p:nvPicPr>
+        <p:blipFill>
+          <a:blip r:embed="rId2">
+            <a:extLst>
+              <a:ext uri="{28A0092B-C50C-407E-A947-70E740481C1C}">
+                <a14:useLocalDpi xmlns:a14="http://schemas.microsoft.com/office/drawing/2010/main" val="0"/>
+              </a:ext>
+            </a:extLst>
+          </a:blip>
+          <a:stretch>
+            <a:fillRect/>
+          </a:stretch>
+        </p:blipFill>
+        <p:spPr>
+          <a:xfrm>
+            <a:off x="0" y="594094"/>
+            <a:ext cx="6285521" cy="6084335"/>
+          </a:xfrm>
+          <a:prstGeom prst="rect">
+            <a:avLst/>
+          </a:prstGeom>
+        </p:spPr>
+      </p:pic>
+      <p:pic>
+        <p:nvPicPr>
+          <p:cNvPr id="5" name="図 4"/>
+          <p:cNvPicPr>
+            <a:picLocks noChangeAspect="1"/>
+          </p:cNvPicPr>
+          <p:nvPr/>
+        </p:nvPicPr>
+        <p:blipFill>
+          <a:blip r:embed="rId3">
+            <a:extLst>
+              <a:ext uri="{28A0092B-C50C-407E-A947-70E740481C1C}">
+                <a14:useLocalDpi xmlns:a14="http://schemas.microsoft.com/office/drawing/2010/main" val="0"/>
+              </a:ext>
+            </a:extLst>
+          </a:blip>
+          <a:stretch>
+            <a:fillRect/>
+          </a:stretch>
+        </p:blipFill>
+        <p:spPr>
+          <a:xfrm>
+            <a:off x="5906479" y="594093"/>
+            <a:ext cx="6285521" cy="6084335"/>
+          </a:xfrm>
+          <a:prstGeom prst="rect">
+            <a:avLst/>
+          </a:prstGeom>
+        </p:spPr>
+      </p:pic>
+    </p:spTree>
+    <p:extLst>
+      <p:ext uri="{BB962C8B-B14F-4D97-AF65-F5344CB8AC3E}">
+        <p14:creationId xmlns:p14="http://schemas.microsoft.com/office/powerpoint/2010/main" val="2763090864"/>
+      </p:ext>
+    </p:extLst>
+  </p:cSld>
+  <p:clrMapOvr>
+    <a:masterClrMapping/>
+  </p:clrMapOvr>
+  <p:timing>
+    <p:tnLst>
+      <p:par>
+        <p:cTn id="1" dur="indefinite" restart="never" nodeType="tmRoot"/>
+      </p:par>
+    </p:tnLst>
+  </p:timing>
+</p:sld>
+</file>
+
+<file path=ppt/slides/slide6.xml><?xml version="1.0" encoding="utf-8"?>
+<p:sld xmlns:a="http://schemas.openxmlformats.org/drawingml/2006/main" xmlns:r="http://schemas.openxmlformats.org/officeDocument/2006/relationships" xmlns:p="http://schemas.openxmlformats.org/presentationml/2006/main">
+  <p:cSld>
+    <p:spTree>
+      <p:nvGrpSpPr>
+        <p:cNvPr id="1" name=""/>
+        <p:cNvGrpSpPr/>
+        <p:nvPr/>
+      </p:nvGrpSpPr>
+      <p:grpSpPr>
+        <a:xfrm>
+          <a:off x="0" y="0"/>
+          <a:ext cx="0" cy="0"/>
+          <a:chOff x="0" y="0"/>
+          <a:chExt cx="0" cy="0"/>
+        </a:xfrm>
+      </p:grpSpPr>
+      <p:sp>
+        <p:nvSpPr>
+          <p:cNvPr id="4" name="テキスト ボックス 3"/>
+          <p:cNvSpPr txBox="1"/>
+          <p:nvPr/>
+        </p:nvSpPr>
+        <p:spPr>
+          <a:xfrm>
+            <a:off x="0" y="-2"/>
+            <a:ext cx="12192000" cy="276999"/>
+          </a:xfrm>
+          <a:prstGeom prst="rect">
+            <a:avLst/>
+          </a:prstGeom>
+          <a:solidFill>
+            <a:schemeClr val="accent5">
+              <a:lumMod val="20000"/>
+              <a:lumOff val="80000"/>
+            </a:schemeClr>
+          </a:solidFill>
+        </p:spPr>
+        <p:txBody>
+          <a:bodyPr wrap="square" rtlCol="0">
+            <a:spAutoFit/>
+          </a:bodyPr>
+          <a:lstStyle/>
+          <a:p>
+            <a:r>
+              <a:rPr kumimoji="1" lang="en-US" altLang="ja-JP" sz="1200" dirty="0" smtClean="0">
+                <a:latin typeface="Segoe UI Symbol" panose="020B0502040204020203" pitchFamily="34" charset="0"/>
+                <a:ea typeface="Segoe UI Symbol" panose="020B0502040204020203" pitchFamily="34" charset="0"/>
+              </a:rPr>
+              <a:t>Segoe UI </a:t>
+            </a:r>
+            <a:r>
+              <a:rPr lang="en-US" altLang="ja-JP" sz="1200" dirty="0">
+                <a:latin typeface="Segoe UI Symbol" panose="020B0502040204020203" pitchFamily="34" charset="0"/>
+                <a:ea typeface="Segoe UI Symbol" panose="020B0502040204020203" pitchFamily="34" charset="0"/>
+              </a:rPr>
+              <a:t>Symbol </a:t>
+            </a:r>
+            <a:r>
+              <a:rPr lang="en-US" altLang="ja-JP" sz="1200" dirty="0" err="1">
+                <a:latin typeface="Segoe UI Symbol" panose="020B0502040204020203" pitchFamily="34" charset="0"/>
+                <a:ea typeface="Segoe UI Symbol" panose="020B0502040204020203" pitchFamily="34" charset="0"/>
+              </a:rPr>
+              <a:t>png</a:t>
+            </a:r>
+            <a:r>
+              <a:rPr lang="en-US" altLang="ja-JP" sz="1200" dirty="0">
+                <a:latin typeface="Segoe UI Symbol" panose="020B0502040204020203" pitchFamily="34" charset="0"/>
+                <a:ea typeface="Segoe UI Symbol" panose="020B0502040204020203" pitchFamily="34" charset="0"/>
+              </a:rPr>
+              <a:t> </a:t>
+            </a:r>
+            <a:r>
+              <a:rPr kumimoji="1" lang="en-US" altLang="ja-JP" sz="1200" dirty="0" smtClean="0">
+                <a:latin typeface="Segoe UI Symbol" panose="020B0502040204020203" pitchFamily="34" charset="0"/>
+                <a:ea typeface="Segoe UI Symbol" panose="020B0502040204020203" pitchFamily="34" charset="0"/>
+              </a:rPr>
+              <a:t>32px</a:t>
+            </a:r>
+            <a:endParaRPr kumimoji="1" lang="ja-JP" altLang="en-US" sz="1200" dirty="0">
+              <a:latin typeface="Segoe UI Symbol" panose="020B0502040204020203" pitchFamily="34" charset="0"/>
+            </a:endParaRPr>
+          </a:p>
+        </p:txBody>
+      </p:sp>
+      <p:pic>
+        <p:nvPicPr>
+          <p:cNvPr id="2" name="図 1"/>
+          <p:cNvPicPr>
+            <a:picLocks noChangeAspect="1"/>
+          </p:cNvPicPr>
+          <p:nvPr/>
+        </p:nvPicPr>
+        <p:blipFill>
+          <a:blip r:embed="rId2">
+            <a:extLst>
+              <a:ext uri="{28A0092B-C50C-407E-A947-70E740481C1C}">
+                <a14:useLocalDpi xmlns:a14="http://schemas.microsoft.com/office/drawing/2010/main" val="0"/>
+              </a:ext>
+            </a:extLst>
+          </a:blip>
+          <a:stretch>
+            <a:fillRect/>
+          </a:stretch>
+        </p:blipFill>
+        <p:spPr>
+          <a:xfrm>
+            <a:off x="119107" y="399532"/>
+            <a:ext cx="6285521" cy="6084335"/>
+          </a:xfrm>
+          <a:prstGeom prst="rect">
+            <a:avLst/>
+          </a:prstGeom>
+        </p:spPr>
+      </p:pic>
+    </p:spTree>
+    <p:extLst>
+      <p:ext uri="{BB962C8B-B14F-4D97-AF65-F5344CB8AC3E}">
+        <p14:creationId xmlns:p14="http://schemas.microsoft.com/office/powerpoint/2010/main" val="284665903"/>
+      </p:ext>
+    </p:extLst>
+  </p:cSld>
+  <p:clrMapOvr>
+    <a:masterClrMapping/>
+  </p:clrMapOvr>
+  <p:timing>
+    <p:tnLst>
+      <p:par>
+        <p:cTn id="1" dur="indefinite" restart="never" nodeType="tmRoot"/>
+      </p:par>
+    </p:tnLst>
+  </p:timing>
+</p:sld>
+</file>
+
+<file path=ppt/slides/slide7.xml><?xml version="1.0" encoding="utf-8"?>
+<p:sld xmlns:a="http://schemas.openxmlformats.org/drawingml/2006/main" xmlns:r="http://schemas.openxmlformats.org/officeDocument/2006/relationships" xmlns:p="http://schemas.openxmlformats.org/presentationml/2006/main">
+  <p:cSld>
+    <p:spTree>
+      <p:nvGrpSpPr>
+        <p:cNvPr id="1" name=""/>
+        <p:cNvGrpSpPr/>
+        <p:nvPr/>
+      </p:nvGrpSpPr>
+      <p:grpSpPr>
+        <a:xfrm>
+          <a:off x="0" y="0"/>
+          <a:ext cx="0" cy="0"/>
+          <a:chOff x="0" y="0"/>
+          <a:chExt cx="0" cy="0"/>
+        </a:xfrm>
+      </p:grpSpPr>
+      <p:sp>
+        <p:nvSpPr>
+          <p:cNvPr id="4" name="テキスト ボックス 3"/>
+          <p:cNvSpPr txBox="1"/>
+          <p:nvPr/>
+        </p:nvSpPr>
+        <p:spPr>
+          <a:xfrm>
+            <a:off x="0" y="-2"/>
+            <a:ext cx="12192000" cy="276999"/>
+          </a:xfrm>
+          <a:prstGeom prst="rect">
+            <a:avLst/>
+          </a:prstGeom>
+          <a:solidFill>
+            <a:schemeClr val="accent5">
+              <a:lumMod val="20000"/>
+              <a:lumOff val="80000"/>
+            </a:schemeClr>
+          </a:solidFill>
+        </p:spPr>
+        <p:txBody>
+          <a:bodyPr wrap="square" rtlCol="0">
+            <a:spAutoFit/>
+          </a:bodyPr>
+          <a:lstStyle/>
+          <a:p>
+            <a:r>
+              <a:rPr kumimoji="1" lang="en-US" altLang="ja-JP" sz="1200" dirty="0" smtClean="0">
+                <a:latin typeface="Segoe UI Symbol" panose="020B0502040204020203" pitchFamily="34" charset="0"/>
+                <a:ea typeface="Segoe UI Symbol" panose="020B0502040204020203" pitchFamily="34" charset="0"/>
+              </a:rPr>
+              <a:t>Segoe UI </a:t>
+            </a:r>
+            <a:r>
+              <a:rPr lang="en-US" altLang="ja-JP" sz="1200" dirty="0">
+                <a:latin typeface="Segoe UI Symbol" panose="020B0502040204020203" pitchFamily="34" charset="0"/>
+                <a:ea typeface="Segoe UI Symbol" panose="020B0502040204020203" pitchFamily="34" charset="0"/>
+              </a:rPr>
+              <a:t>Symbol </a:t>
+            </a:r>
+            <a:r>
+              <a:rPr lang="en-US" altLang="ja-JP" sz="1200" dirty="0" err="1">
+                <a:latin typeface="Segoe UI Symbol" panose="020B0502040204020203" pitchFamily="34" charset="0"/>
+                <a:ea typeface="Segoe UI Symbol" panose="020B0502040204020203" pitchFamily="34" charset="0"/>
+              </a:rPr>
+              <a:t>png</a:t>
+            </a:r>
+            <a:r>
+              <a:rPr lang="en-US" altLang="ja-JP" sz="1200" dirty="0">
+                <a:latin typeface="Segoe UI Symbol" panose="020B0502040204020203" pitchFamily="34" charset="0"/>
+                <a:ea typeface="Segoe UI Symbol" panose="020B0502040204020203" pitchFamily="34" charset="0"/>
+              </a:rPr>
+              <a:t> </a:t>
+            </a:r>
+            <a:r>
+              <a:rPr kumimoji="1" lang="en-US" altLang="ja-JP" sz="1200" dirty="0" smtClean="0">
+                <a:latin typeface="Segoe UI Symbol" panose="020B0502040204020203" pitchFamily="34" charset="0"/>
+                <a:ea typeface="Segoe UI Symbol" panose="020B0502040204020203" pitchFamily="34" charset="0"/>
+              </a:rPr>
+              <a:t>18px</a:t>
+            </a:r>
+            <a:endParaRPr kumimoji="1" lang="ja-JP" altLang="en-US" sz="1200" dirty="0">
+              <a:latin typeface="Segoe UI Symbol" panose="020B0502040204020203" pitchFamily="34" charset="0"/>
+            </a:endParaRPr>
+          </a:p>
+        </p:txBody>
+      </p:sp>
+      <p:pic>
+        <p:nvPicPr>
+          <p:cNvPr id="6" name="図 5"/>
+          <p:cNvPicPr>
+            <a:picLocks noChangeAspect="1"/>
+          </p:cNvPicPr>
+          <p:nvPr/>
+        </p:nvPicPr>
+        <p:blipFill>
+          <a:blip r:embed="rId2">
+            <a:extLst>
+              <a:ext uri="{28A0092B-C50C-407E-A947-70E740481C1C}">
+                <a14:useLocalDpi xmlns:a14="http://schemas.microsoft.com/office/drawing/2010/main" val="0"/>
+              </a:ext>
+            </a:extLst>
+          </a:blip>
+          <a:stretch>
+            <a:fillRect/>
+          </a:stretch>
+        </p:blipFill>
+        <p:spPr>
+          <a:xfrm>
+            <a:off x="3692146" y="478387"/>
+            <a:ext cx="3529890" cy="3462828"/>
+          </a:xfrm>
+          <a:prstGeom prst="rect">
+            <a:avLst/>
+          </a:prstGeom>
+        </p:spPr>
+      </p:pic>
+      <p:pic>
+        <p:nvPicPr>
+          <p:cNvPr id="15" name="図 14"/>
+          <p:cNvPicPr>
+            <a:picLocks noChangeAspect="1"/>
+          </p:cNvPicPr>
+          <p:nvPr/>
+        </p:nvPicPr>
+        <p:blipFill>
+          <a:blip r:embed="rId3">
+            <a:extLst>
+              <a:ext uri="{28A0092B-C50C-407E-A947-70E740481C1C}">
+                <a14:useLocalDpi xmlns:a14="http://schemas.microsoft.com/office/drawing/2010/main" val="0"/>
+              </a:ext>
+            </a:extLst>
+          </a:blip>
+          <a:stretch>
+            <a:fillRect/>
+          </a:stretch>
+        </p:blipFill>
+        <p:spPr>
+          <a:xfrm>
+            <a:off x="7719024" y="478387"/>
+            <a:ext cx="3529890" cy="3462828"/>
+          </a:xfrm>
+          <a:prstGeom prst="rect">
+            <a:avLst/>
+          </a:prstGeom>
+        </p:spPr>
+      </p:pic>
+      <p:pic>
+        <p:nvPicPr>
+          <p:cNvPr id="16" name="図 15"/>
+          <p:cNvPicPr>
+            <a:picLocks noChangeAspect="1"/>
+          </p:cNvPicPr>
+          <p:nvPr/>
+        </p:nvPicPr>
+        <p:blipFill>
+          <a:blip r:embed="rId4">
+            <a:extLst>
+              <a:ext uri="{28A0092B-C50C-407E-A947-70E740481C1C}">
+                <a14:useLocalDpi xmlns:a14="http://schemas.microsoft.com/office/drawing/2010/main" val="0"/>
+              </a:ext>
+            </a:extLst>
+          </a:blip>
+          <a:stretch>
+            <a:fillRect/>
+          </a:stretch>
+        </p:blipFill>
+        <p:spPr>
+          <a:xfrm>
+            <a:off x="134194" y="478387"/>
+            <a:ext cx="3529890" cy="3462828"/>
+          </a:xfrm>
+          <a:prstGeom prst="rect">
+            <a:avLst/>
+          </a:prstGeom>
+        </p:spPr>
+      </p:pic>
+    </p:spTree>
+    <p:extLst>
+      <p:ext uri="{BB962C8B-B14F-4D97-AF65-F5344CB8AC3E}">
+        <p14:creationId xmlns:p14="http://schemas.microsoft.com/office/powerpoint/2010/main" val="3411793827"/>
+      </p:ext>
+    </p:extLst>
+  </p:cSld>
+  <p:clrMapOvr>
+    <a:masterClrMapping/>
+  </p:clrMapOvr>
+  <p:timing>
+    <p:tnLst>
+      <p:par>
+        <p:cTn id="1" dur="indefinite" restart="never" nodeType="tmRoot"/>
+      </p:par>
+    </p:tnLst>
+  </p:timing>
+</p:sld>
+</file>
+
+<file path=ppt/slides/slide8.xml><?xml version="1.0" encoding="utf-8"?>
+<p:sld xmlns:a="http://schemas.openxmlformats.org/drawingml/2006/main" xmlns:r="http://schemas.openxmlformats.org/officeDocument/2006/relationships" xmlns:p="http://schemas.openxmlformats.org/presentationml/2006/main">
+  <p:cSld>
+    <p:spTree>
+      <p:nvGrpSpPr>
+        <p:cNvPr id="1" name=""/>
+        <p:cNvGrpSpPr/>
+        <p:nvPr/>
+      </p:nvGrpSpPr>
+      <p:grpSpPr>
+        <a:xfrm>
+          <a:off x="0" y="0"/>
+          <a:ext cx="0" cy="0"/>
+          <a:chOff x="0" y="0"/>
+          <a:chExt cx="0" cy="0"/>
+        </a:xfrm>
+      </p:grpSpPr>
+      <p:sp>
+        <p:nvSpPr>
+          <p:cNvPr id="4" name="テキスト ボックス 3"/>
+          <p:cNvSpPr txBox="1"/>
+          <p:nvPr/>
+        </p:nvSpPr>
+        <p:spPr>
+          <a:xfrm>
+            <a:off x="0" y="-2"/>
+            <a:ext cx="12192000" cy="276999"/>
+          </a:xfrm>
+          <a:prstGeom prst="rect">
+            <a:avLst/>
+          </a:prstGeom>
+          <a:solidFill>
+            <a:schemeClr val="accent5">
+              <a:lumMod val="20000"/>
+              <a:lumOff val="80000"/>
+            </a:schemeClr>
+          </a:solidFill>
+        </p:spPr>
+        <p:txBody>
+          <a:bodyPr wrap="square" rtlCol="0">
+            <a:spAutoFit/>
+          </a:bodyPr>
+          <a:lstStyle/>
+          <a:p>
+            <a:r>
+              <a:rPr kumimoji="1" lang="en-US" altLang="ja-JP" sz="1200" dirty="0" smtClean="0">
+                <a:latin typeface="Segoe UI Symbol" panose="020B0502040204020203" pitchFamily="34" charset="0"/>
+                <a:ea typeface="Segoe UI Symbol" panose="020B0502040204020203" pitchFamily="34" charset="0"/>
+              </a:rPr>
               <a:t>Segoe UI Symbol</a:t>
             </a:r>
             <a:endParaRPr kumimoji="1" lang="ja-JP" altLang="en-US" sz="1200" dirty="0">
@@ -3874,6 +4785,13 @@
   <p:clrMapOvr>
     <a:masterClrMapping/>
   </p:clrMapOvr>
+  <p:timing>
+    <p:tnLst>
+      <p:par>
+        <p:cTn id="1" dur="indefinite" restart="never" nodeType="tmRoot"/>
+      </p:par>
+    </p:tnLst>
+  </p:timing>
 </p:sld>
 </file>
 
